--- a/DurkaScience.pptx
+++ b/DurkaScience.pptx
@@ -297,7 +297,7 @@
       </p15:sldGuideLst>
     </p:ext>
     <p:ext uri="http://customooxmlschemas.google.com/">
-      <go:slidesCustomData xmlns="" xmlns:mc="http://schemas.openxmlformats.org/markup-compatibility/2006" xmlns:mv="urn:schemas-microsoft-com:mac:vml" xmlns:c="http://schemas.openxmlformats.org/drawingml/2006/chart" xmlns:dgm="http://schemas.openxmlformats.org/drawingml/2006/diagram" xmlns:o="urn:schemas-microsoft-com:office:office" xmlns:v="urn:schemas-microsoft-com:vml" xmlns:pvml="urn:schemas-microsoft-com:office:powerpoint" xmlns:com="http://schemas.openxmlformats.org/drawingml/2006/compatibility" xmlns:p14="http://schemas.microsoft.com/office/powerpoint/2010/main" xmlns:p15="http://schemas.microsoft.com/office/powerpoint/2012/main" xmlns:ahyp="http://schemas.microsoft.com/office/drawing/2018/hyperlinkcolor" xmlns:go="http://customooxmlschemas.google.com/" r:id="rId54" roundtripDataSignature="AMtx7mjuTJ8FEVG8XwDbQ3IDsq/UYhA8xw=="/>
+      <go:slidesCustomData xmlns:go="http://customooxmlschemas.google.com/" xmlns:ahyp="http://schemas.microsoft.com/office/drawing/2018/hyperlinkcolor" xmlns:p15="http://schemas.microsoft.com/office/powerpoint/2012/main" xmlns:p14="http://schemas.microsoft.com/office/powerpoint/2010/main" xmlns:com="http://schemas.openxmlformats.org/drawingml/2006/compatibility" xmlns:pvml="urn:schemas-microsoft-com:office:powerpoint" xmlns:v="urn:schemas-microsoft-com:vml" xmlns:o="urn:schemas-microsoft-com:office:office" xmlns:dgm="http://schemas.openxmlformats.org/drawingml/2006/diagram" xmlns:c="http://schemas.openxmlformats.org/drawingml/2006/chart" xmlns:mv="urn:schemas-microsoft-com:mac:vml" xmlns:mc="http://schemas.openxmlformats.org/markup-compatibility/2006" xmlns="" r:id="rId54" roundtripDataSignature="AMtx7mjuTJ8FEVG8XwDbQ3IDsq/UYhA8xw=="/>
     </p:ext>
   </p:extLst>
 </p:presentation>
@@ -8373,7 +8373,7 @@
         <p:spPr>
           <a:xfrm>
             <a:off x="887767" y="1464816"/>
-            <a:ext cx="8433786" cy="3477875"/>
+            <a:ext cx="8433786" cy="2246769"/>
           </a:xfrm>
           <a:prstGeom prst="rect">
             <a:avLst/>
@@ -8468,37 +8468,6 @@
               </a:rPr>
               <a:t>Отбор неповторяющихся рекомендаций</a:t>
             </a:r>
-          </a:p>
-          <a:p>
-            <a:pPr marL="285750" indent="-285750">
-              <a:buClr>
-                <a:schemeClr val="bg1"/>
-              </a:buClr>
-              <a:buFont typeface="Arial" panose="020B0604020202020204" pitchFamily="34" charset="0"/>
-              <a:buChar char="•"/>
-            </a:pPr>
-            <a:r>
-              <a:rPr lang="ru-RU" sz="2800" dirty="0">
-                <a:solidFill>
-                  <a:schemeClr val="bg1"/>
-                </a:solidFill>
-              </a:rPr>
-              <a:t>При пустом запросе рекомендация выборки из самых популярных запросов</a:t>
-            </a:r>
-          </a:p>
-          <a:p>
-            <a:pPr marL="285750" indent="-285750">
-              <a:buClr>
-                <a:schemeClr val="bg1"/>
-              </a:buClr>
-              <a:buFont typeface="Arial" panose="020B0604020202020204" pitchFamily="34" charset="0"/>
-              <a:buChar char="•"/>
-            </a:pPr>
-            <a:endParaRPr lang="ru-RU" sz="2400" dirty="0">
-              <a:solidFill>
-                <a:schemeClr val="bg1"/>
-              </a:solidFill>
-            </a:endParaRPr>
           </a:p>
         </p:txBody>
       </p:sp>
@@ -10568,31 +10537,7 @@
                   <a:schemeClr val="bg1"/>
                 </a:solidFill>
               </a:rPr>
-              <a:t>2. </a:t>
-            </a:r>
-            <a:r>
-              <a:rPr lang="en-US" sz="2400" dirty="0">
-                <a:solidFill>
-                  <a:schemeClr val="bg1"/>
-                </a:solidFill>
-              </a:rPr>
-              <a:t>C</a:t>
-            </a:r>
-            <a:r>
-              <a:rPr lang="ru-RU" sz="2400" dirty="0" err="1">
-                <a:solidFill>
-                  <a:schemeClr val="bg1"/>
-                </a:solidFill>
-              </a:rPr>
-              <a:t>мотрим</a:t>
-            </a:r>
-            <a:r>
-              <a:rPr lang="ru-RU" sz="2400" dirty="0">
-                <a:solidFill>
-                  <a:schemeClr val="bg1"/>
-                </a:solidFill>
-              </a:rPr>
-              <a:t> на пересечение по словам, если какой-то запрос содержит в себе другой, то оставляем больший</a:t>
+              <a:t>2. Смотрим на пересечение по словам, если какой-то запрос содержит в себе другой, то оставляем больший</a:t>
             </a:r>
           </a:p>
           <a:p>
@@ -11059,7 +11004,7 @@
         </p:blipFill>
         <p:spPr>
           <a:xfrm>
-            <a:off x="1011996" y="4785093"/>
+            <a:off x="1011996" y="2726700"/>
             <a:ext cx="8094085" cy="1201682"/>
           </a:xfrm>
           <a:prstGeom prst="rect">
@@ -11222,7 +11167,7 @@
                   <a:schemeClr val="bg1"/>
                 </a:solidFill>
               </a:rPr>
-              <a:t>Для модели дополнения слова брались только самые частые запросы для избегания попадания слов с опечатками и не использовались запросы со слишком маленькой и слишком большой длиной</a:t>
+              <a:t>Для модели дополнения слова брались только самые частые запросы, чтобы избежать попадание слов с опечатками и не использовались запросы со слишком маленькой и слишком большой длиной</a:t>
             </a:r>
           </a:p>
           <a:p>
